--- a/DS_670/Documents/DS_670_project_Mir_Madhrui_Kaushik_Leonsteen.pptx
+++ b/DS_670/Documents/DS_670_project_Mir_Madhrui_Kaushik_Leonsteen.pptx
@@ -31,9 +31,10 @@
     <p:sldId id="293" r:id="rId25"/>
     <p:sldId id="294" r:id="rId26"/>
     <p:sldId id="288" r:id="rId27"/>
-    <p:sldId id="286" r:id="rId28"/>
-    <p:sldId id="261" r:id="rId29"/>
-    <p:sldId id="287" r:id="rId30"/>
+    <p:sldId id="296" r:id="rId28"/>
+    <p:sldId id="286" r:id="rId29"/>
+    <p:sldId id="261" r:id="rId30"/>
+    <p:sldId id="287" r:id="rId31"/>
   </p:sldIdLst>
   <p:sldSz cx="12192000" cy="6858000"/>
   <p:notesSz cx="6858000" cy="9144000"/>
@@ -4422,8 +4423,8 @@
       </dsp:nvSpPr>
       <dsp:spPr>
         <a:xfrm>
-          <a:off x="0" y="1360"/>
-          <a:ext cx="4282984" cy="1262354"/>
+          <a:off x="0" y="303"/>
+          <a:ext cx="4282984" cy="1263097"/>
         </a:xfrm>
         <a:prstGeom prst="roundRect">
           <a:avLst/>
@@ -4496,8 +4497,8 @@
         </a:p>
       </dsp:txBody>
       <dsp:txXfrm>
-        <a:off x="61623" y="62983"/>
-        <a:ext cx="4159738" cy="1139108"/>
+        <a:off x="61659" y="61962"/>
+        <a:ext cx="4159666" cy="1139779"/>
       </dsp:txXfrm>
     </dsp:sp>
     <dsp:sp modelId="{84DB07F8-B7EE-CB41-876E-D25BE1D34313}">
@@ -4507,8 +4508,8 @@
       </dsp:nvSpPr>
       <dsp:spPr>
         <a:xfrm>
-          <a:off x="0" y="1287200"/>
-          <a:ext cx="4282984" cy="1262354"/>
+          <a:off x="0" y="1286787"/>
+          <a:ext cx="4282984" cy="1263097"/>
         </a:xfrm>
         <a:prstGeom prst="roundRect">
           <a:avLst/>
@@ -4578,8 +4579,8 @@
         </a:p>
       </dsp:txBody>
       <dsp:txXfrm>
-        <a:off x="61623" y="1348823"/>
-        <a:ext cx="4159738" cy="1139108"/>
+        <a:off x="61659" y="1348446"/>
+        <a:ext cx="4159666" cy="1139779"/>
       </dsp:txXfrm>
     </dsp:sp>
     <dsp:sp modelId="{DA90BE3A-86D0-8142-9DBD-1A5EBE1EBBFD}">
@@ -4589,8 +4590,8 @@
       </dsp:nvSpPr>
       <dsp:spPr>
         <a:xfrm>
-          <a:off x="0" y="2552985"/>
-          <a:ext cx="4282984" cy="1262354"/>
+          <a:off x="0" y="2553300"/>
+          <a:ext cx="4282984" cy="1263097"/>
         </a:xfrm>
         <a:prstGeom prst="roundRect">
           <a:avLst/>
@@ -4663,8 +4664,8 @@
         </a:p>
       </dsp:txBody>
       <dsp:txXfrm>
-        <a:off x="61623" y="2614608"/>
-        <a:ext cx="4159738" cy="1139108"/>
+        <a:off x="61659" y="2614959"/>
+        <a:ext cx="4159666" cy="1139779"/>
       </dsp:txXfrm>
     </dsp:sp>
   </dsp:spTree>
@@ -9213,7 +9214,7 @@
           <a:p>
             <a:fld id="{46036930-17CE-4699-95D9-08A7446FCB3B}" type="datetimeFigureOut">
               <a:rPr lang="en-US" smtClean="0"/>
-              <a:t>4/25/2023</a:t>
+              <a:t>5/9/2023</a:t>
             </a:fld>
             <a:endParaRPr lang="en-US"/>
           </a:p>
@@ -9411,7 +9412,7 @@
           <a:p>
             <a:fld id="{46036930-17CE-4699-95D9-08A7446FCB3B}" type="datetimeFigureOut">
               <a:rPr lang="en-US" smtClean="0"/>
-              <a:t>4/25/2023</a:t>
+              <a:t>5/9/2023</a:t>
             </a:fld>
             <a:endParaRPr lang="en-US"/>
           </a:p>
@@ -9619,7 +9620,7 @@
           <a:p>
             <a:fld id="{46036930-17CE-4699-95D9-08A7446FCB3B}" type="datetimeFigureOut">
               <a:rPr lang="en-US" smtClean="0"/>
-              <a:t>4/25/2023</a:t>
+              <a:t>5/9/2023</a:t>
             </a:fld>
             <a:endParaRPr lang="en-US"/>
           </a:p>
@@ -9817,7 +9818,7 @@
           <a:p>
             <a:fld id="{46036930-17CE-4699-95D9-08A7446FCB3B}" type="datetimeFigureOut">
               <a:rPr lang="en-US" smtClean="0"/>
-              <a:t>4/25/2023</a:t>
+              <a:t>5/9/2023</a:t>
             </a:fld>
             <a:endParaRPr lang="en-US"/>
           </a:p>
@@ -10092,7 +10093,7 @@
           <a:p>
             <a:fld id="{46036930-17CE-4699-95D9-08A7446FCB3B}" type="datetimeFigureOut">
               <a:rPr lang="en-US" smtClean="0"/>
-              <a:t>4/25/2023</a:t>
+              <a:t>5/9/2023</a:t>
             </a:fld>
             <a:endParaRPr lang="en-US"/>
           </a:p>
@@ -10357,7 +10358,7 @@
           <a:p>
             <a:fld id="{46036930-17CE-4699-95D9-08A7446FCB3B}" type="datetimeFigureOut">
               <a:rPr lang="en-US" smtClean="0"/>
-              <a:t>4/25/2023</a:t>
+              <a:t>5/9/2023</a:t>
             </a:fld>
             <a:endParaRPr lang="en-US"/>
           </a:p>
@@ -10769,7 +10770,7 @@
           <a:p>
             <a:fld id="{46036930-17CE-4699-95D9-08A7446FCB3B}" type="datetimeFigureOut">
               <a:rPr lang="en-US" smtClean="0"/>
-              <a:t>4/25/2023</a:t>
+              <a:t>5/9/2023</a:t>
             </a:fld>
             <a:endParaRPr lang="en-US"/>
           </a:p>
@@ -10910,7 +10911,7 @@
           <a:p>
             <a:fld id="{46036930-17CE-4699-95D9-08A7446FCB3B}" type="datetimeFigureOut">
               <a:rPr lang="en-US" smtClean="0"/>
-              <a:t>4/25/2023</a:t>
+              <a:t>5/9/2023</a:t>
             </a:fld>
             <a:endParaRPr lang="en-US"/>
           </a:p>
@@ -11023,7 +11024,7 @@
           <a:p>
             <a:fld id="{46036930-17CE-4699-95D9-08A7446FCB3B}" type="datetimeFigureOut">
               <a:rPr lang="en-US" smtClean="0"/>
-              <a:t>4/25/2023</a:t>
+              <a:t>5/9/2023</a:t>
             </a:fld>
             <a:endParaRPr lang="en-US"/>
           </a:p>
@@ -11334,7 +11335,7 @@
           <a:p>
             <a:fld id="{46036930-17CE-4699-95D9-08A7446FCB3B}" type="datetimeFigureOut">
               <a:rPr lang="en-US" smtClean="0"/>
-              <a:t>4/25/2023</a:t>
+              <a:t>5/9/2023</a:t>
             </a:fld>
             <a:endParaRPr lang="en-US"/>
           </a:p>
@@ -11622,7 +11623,7 @@
           <a:p>
             <a:fld id="{46036930-17CE-4699-95D9-08A7446FCB3B}" type="datetimeFigureOut">
               <a:rPr lang="en-US" smtClean="0"/>
-              <a:t>4/25/2023</a:t>
+              <a:t>5/9/2023</a:t>
             </a:fld>
             <a:endParaRPr lang="en-US"/>
           </a:p>
@@ -11863,7 +11864,7 @@
           <a:p>
             <a:fld id="{46036930-17CE-4699-95D9-08A7446FCB3B}" type="datetimeFigureOut">
               <a:rPr lang="en-US" smtClean="0"/>
-              <a:t>4/25/2023</a:t>
+              <a:t>5/9/2023</a:t>
             </a:fld>
             <a:endParaRPr lang="en-US"/>
           </a:p>
@@ -12597,7 +12598,7 @@
                 <a:latin typeface="Times New Roman" panose="02020603050405020304" pitchFamily="18" charset="0"/>
                 <a:cs typeface="Times New Roman" panose="02020603050405020304" pitchFamily="18" charset="0"/>
               </a:rPr>
-              <a:t>•Based on the data, we can see that poverty rates of counties are going up and down from 2000 through 2021. But ultimately, poverty rates in 2021 are more than what they were back in 2000.</a:t>
+              <a:t>• Poverty rates of counties are going up and down from 2000 through 2021. But ultimately, poverty rates in 2021 are more than what they were back in 2000.</a:t>
             </a:r>
           </a:p>
         </p:txBody>
@@ -12864,8 +12865,8 @@
         </p:blipFill>
         <p:spPr bwMode="auto">
           <a:xfrm>
-            <a:off x="4583129" y="3329473"/>
-            <a:ext cx="3894218" cy="2515582"/>
+            <a:off x="4186518" y="3329473"/>
+            <a:ext cx="4290829" cy="2771784"/>
           </a:xfrm>
           <a:prstGeom prst="rect">
             <a:avLst/>
@@ -12904,8 +12905,8 @@
         </p:blipFill>
         <p:spPr bwMode="auto">
           <a:xfrm>
-            <a:off x="8691902" y="3398422"/>
-            <a:ext cx="3353918" cy="2501120"/>
+            <a:off x="8477346" y="3398421"/>
+            <a:ext cx="3568474" cy="2771783"/>
           </a:xfrm>
           <a:prstGeom prst="rect">
             <a:avLst/>
@@ -13339,7 +13340,7 @@
                 <a:latin typeface="Times New Roman" panose="02020603050405020304" pitchFamily="18" charset="0"/>
                 <a:cs typeface="Times New Roman" panose="02020603050405020304" pitchFamily="18" charset="0"/>
               </a:rPr>
-              <a:t>•Based on the data from the diverse county we collected , we realize that the rental prices for all counties are going up over time.</a:t>
+              <a:t>• Rental prices for all counties are going up over time.</a:t>
             </a:r>
           </a:p>
         </p:txBody>
@@ -13506,15 +13507,39 @@
           </a:bodyPr>
           <a:lstStyle/>
           <a:p>
-            <a:pPr marL="0" indent="0">
-              <a:buNone/>
-            </a:pPr>
             <a:r>
               <a:rPr lang="en-US" sz="1800" dirty="0">
                 <a:latin typeface="Times New Roman" panose="02020603050405020304" pitchFamily="18" charset="0"/>
                 <a:cs typeface="Times New Roman" panose="02020603050405020304" pitchFamily="18" charset="0"/>
               </a:rPr>
-              <a:t>•Based on the imaging , we can see that Essex property tax saw a considerable decline from 2005 through 2011. Union property tax rose from 2000 till 2015, and then it declined. Hudson also saw an increase in property tax until 2016, and then it decreased. The rest of the counties maintained the exact property tax over time.</a:t>
+              <a:t>Essex property tax saw a considerable decline from 2005 through 2011.</a:t>
+            </a:r>
+          </a:p>
+          <a:p>
+            <a:r>
+              <a:rPr lang="en-US" sz="1800" dirty="0">
+                <a:latin typeface="Times New Roman" panose="02020603050405020304" pitchFamily="18" charset="0"/>
+                <a:cs typeface="Times New Roman" panose="02020603050405020304" pitchFamily="18" charset="0"/>
+              </a:rPr>
+              <a:t>Union property tax rose from 2000 till 2015, and then it declined. </a:t>
+            </a:r>
+          </a:p>
+          <a:p>
+            <a:r>
+              <a:rPr lang="en-US" sz="1800" dirty="0">
+                <a:latin typeface="Times New Roman" panose="02020603050405020304" pitchFamily="18" charset="0"/>
+                <a:cs typeface="Times New Roman" panose="02020603050405020304" pitchFamily="18" charset="0"/>
+              </a:rPr>
+              <a:t>Hudson also saw an increase in property tax until 2016, and then it decreased. </a:t>
+            </a:r>
+          </a:p>
+          <a:p>
+            <a:r>
+              <a:rPr lang="en-US" sz="1800" dirty="0">
+                <a:latin typeface="Times New Roman" panose="02020603050405020304" pitchFamily="18" charset="0"/>
+                <a:cs typeface="Times New Roman" panose="02020603050405020304" pitchFamily="18" charset="0"/>
+              </a:rPr>
+              <a:t>The rest of the counties maintained the exact property tax over time.</a:t>
             </a:r>
           </a:p>
         </p:txBody>
@@ -13864,7 +13889,16 @@
                 <a:latin typeface="Times New Roman" panose="02020603050405020304" pitchFamily="18" charset="0"/>
                 <a:cs typeface="Times New Roman" panose="02020603050405020304" pitchFamily="18" charset="0"/>
               </a:rPr>
-              <a:t>Based on the imaging, we can see that the food desert counts are mostly the same for both a 1-mile radius in urban areas and a 10-mile radius in rural areas and a 1-mile radius in urban areas and a 20-mile radius in rural areas. Counts are high for a half-mile radius in urban areas and a 10-mile radius for rural areas for Middlesex, Bergen, and Monmouth.</a:t>
+              <a:t>Food desert counts are mostly the same for both a 1-mile radius in urban areas and a 10-mile radius in rural areas and a 1-mile radius in urban areas and a 20-mile radius in rural areas. </a:t>
+            </a:r>
+          </a:p>
+          <a:p>
+            <a:r>
+              <a:rPr lang="en-US" sz="2000" dirty="0">
+                <a:latin typeface="Times New Roman" panose="02020603050405020304" pitchFamily="18" charset="0"/>
+                <a:cs typeface="Times New Roman" panose="02020603050405020304" pitchFamily="18" charset="0"/>
+              </a:rPr>
+              <a:t>Counts are high for a half-mile radius in urban areas and a 10-mile radius for rural areas for Middlesex, Bergen, and Monmouth.</a:t>
             </a:r>
           </a:p>
         </p:txBody>
@@ -15813,7 +15847,10 @@
           <a:lstStyle/>
           <a:p>
             <a:r>
-              <a:rPr lang="en-US" dirty="0"/>
+              <a:rPr lang="en-US" dirty="0">
+                <a:latin typeface="Times New Roman" panose="02020603050405020304" pitchFamily="18" charset="0"/>
+                <a:cs typeface="Times New Roman" panose="02020603050405020304" pitchFamily="18" charset="0"/>
+              </a:rPr>
               <a:t>Deep Neural Network - Loss: 0.04665800929069519, Accuracy: 0.9904761910438538</a:t>
             </a:r>
           </a:p>
@@ -15882,7 +15919,10 @@
               <a:buChar char="•"/>
             </a:pPr>
             <a:r>
-              <a:rPr lang="en-US" dirty="0"/>
+              <a:rPr lang="en-US" dirty="0">
+                <a:latin typeface="Times New Roman" panose="02020603050405020304" pitchFamily="18" charset="0"/>
+                <a:cs typeface="Times New Roman" panose="02020603050405020304" pitchFamily="18" charset="0"/>
+              </a:rPr>
               <a:t>We used label encoder to convert the county name column to encoded categorical column.</a:t>
             </a:r>
           </a:p>
@@ -15892,7 +15932,10 @@
               <a:buChar char="•"/>
             </a:pPr>
             <a:r>
-              <a:rPr lang="en-US" dirty="0"/>
+              <a:rPr lang="en-US" dirty="0">
+                <a:latin typeface="Times New Roman" panose="02020603050405020304" pitchFamily="18" charset="0"/>
+                <a:cs typeface="Times New Roman" panose="02020603050405020304" pitchFamily="18" charset="0"/>
+              </a:rPr>
               <a:t>We wanted 4 layers to our model with 11 features and 21 unique outputs (21 unique county names). </a:t>
             </a:r>
           </a:p>
@@ -16074,6 +16117,149 @@
 <file path=ppt/slides/slide27.xml><?xml version="1.0" encoding="utf-8"?>
 <p:sld xmlns:a="http://schemas.openxmlformats.org/drawingml/2006/main" xmlns:r="http://schemas.openxmlformats.org/officeDocument/2006/relationships" xmlns:p="http://schemas.openxmlformats.org/presentationml/2006/main">
   <p:cSld>
+    <p:spTree>
+      <p:nvGrpSpPr>
+        <p:cNvPr id="1" name=""/>
+        <p:cNvGrpSpPr/>
+        <p:nvPr/>
+      </p:nvGrpSpPr>
+      <p:grpSpPr>
+        <a:xfrm>
+          <a:off x="0" y="0"/>
+          <a:ext cx="0" cy="0"/>
+          <a:chOff x="0" y="0"/>
+          <a:chExt cx="0" cy="0"/>
+        </a:xfrm>
+      </p:grpSpPr>
+      <p:sp>
+        <p:nvSpPr>
+          <p:cNvPr id="2" name="Title 1">
+            <a:extLst>
+              <a:ext uri="{FF2B5EF4-FFF2-40B4-BE49-F238E27FC236}">
+                <a16:creationId xmlns:a16="http://schemas.microsoft.com/office/drawing/2014/main" id="{8A4136FF-32C6-DD9B-9E33-0AB73B0B8618}"/>
+              </a:ext>
+            </a:extLst>
+          </p:cNvPr>
+          <p:cNvSpPr>
+            <a:spLocks noGrp="1"/>
+          </p:cNvSpPr>
+          <p:nvPr>
+            <p:ph type="title"/>
+          </p:nvPr>
+        </p:nvSpPr>
+        <p:spPr/>
+        <p:txBody>
+          <a:bodyPr/>
+          <a:lstStyle/>
+          <a:p>
+            <a:r>
+              <a:rPr lang="en-US" sz="3200" b="1" kern="0" dirty="0">
+                <a:latin typeface="Times New Roman" panose="02020603050405020304" pitchFamily="18" charset="0"/>
+                <a:cs typeface="Vrinda" panose="020B0502040204020203" pitchFamily="34" charset="0"/>
+              </a:rPr>
+              <a:t>Challenges and Limitations</a:t>
+            </a:r>
+          </a:p>
+        </p:txBody>
+      </p:sp>
+      <p:sp>
+        <p:nvSpPr>
+          <p:cNvPr id="3" name="Content Placeholder 2">
+            <a:extLst>
+              <a:ext uri="{FF2B5EF4-FFF2-40B4-BE49-F238E27FC236}">
+                <a16:creationId xmlns:a16="http://schemas.microsoft.com/office/drawing/2014/main" id="{286029AB-1F67-ED07-97DC-4FEF86F404B4}"/>
+              </a:ext>
+            </a:extLst>
+          </p:cNvPr>
+          <p:cNvSpPr>
+            <a:spLocks noGrp="1"/>
+          </p:cNvSpPr>
+          <p:nvPr>
+            <p:ph idx="1"/>
+          </p:nvPr>
+        </p:nvSpPr>
+        <p:spPr/>
+        <p:txBody>
+          <a:bodyPr/>
+          <a:lstStyle/>
+          <a:p>
+            <a:r>
+              <a:rPr lang="en-US" dirty="0">
+                <a:latin typeface="Times New Roman" panose="02020603050405020304" pitchFamily="18" charset="0"/>
+                <a:cs typeface="Times New Roman" panose="02020603050405020304" pitchFamily="18" charset="0"/>
+              </a:rPr>
+              <a:t>Free datasets available to import and utilize</a:t>
+            </a:r>
+          </a:p>
+          <a:p>
+            <a:r>
+              <a:rPr lang="en-US" dirty="0">
+                <a:latin typeface="Times New Roman" panose="02020603050405020304" pitchFamily="18" charset="0"/>
+                <a:cs typeface="Times New Roman" panose="02020603050405020304" pitchFamily="18" charset="0"/>
+              </a:rPr>
+              <a:t>Completeness of the data in terms of history</a:t>
+            </a:r>
+          </a:p>
+          <a:p>
+            <a:r>
+              <a:rPr lang="en-US" dirty="0">
+                <a:latin typeface="Times New Roman" panose="02020603050405020304" pitchFamily="18" charset="0"/>
+                <a:cs typeface="Times New Roman" panose="02020603050405020304" pitchFamily="18" charset="0"/>
+              </a:rPr>
+              <a:t>Free available tools for visualizations and web hosting</a:t>
+            </a:r>
+          </a:p>
+          <a:p>
+            <a:r>
+              <a:rPr lang="en-US" dirty="0">
+                <a:latin typeface="Times New Roman" panose="02020603050405020304" pitchFamily="18" charset="0"/>
+                <a:cs typeface="Times New Roman" panose="02020603050405020304" pitchFamily="18" charset="0"/>
+              </a:rPr>
+              <a:t>Known machine learning modeling techniques</a:t>
+            </a:r>
+          </a:p>
+          <a:p>
+            <a:r>
+              <a:rPr lang="en-US" dirty="0">
+                <a:latin typeface="Times New Roman" panose="02020603050405020304" pitchFamily="18" charset="0"/>
+                <a:cs typeface="Times New Roman" panose="02020603050405020304" pitchFamily="18" charset="0"/>
+              </a:rPr>
+              <a:t>Hardware for training machine learning models </a:t>
+            </a:r>
+          </a:p>
+          <a:p>
+            <a:r>
+              <a:rPr lang="en-US" dirty="0">
+                <a:latin typeface="Times New Roman" panose="02020603050405020304" pitchFamily="18" charset="0"/>
+                <a:cs typeface="Times New Roman" panose="02020603050405020304" pitchFamily="18" charset="0"/>
+              </a:rPr>
+              <a:t>Project timeframe</a:t>
+            </a:r>
+          </a:p>
+          <a:p>
+            <a:endParaRPr lang="en-US" dirty="0">
+              <a:latin typeface="Times New Roman" panose="02020603050405020304" pitchFamily="18" charset="0"/>
+              <a:cs typeface="Times New Roman" panose="02020603050405020304" pitchFamily="18" charset="0"/>
+            </a:endParaRPr>
+          </a:p>
+        </p:txBody>
+      </p:sp>
+    </p:spTree>
+    <p:extLst>
+      <p:ext uri="{BB962C8B-B14F-4D97-AF65-F5344CB8AC3E}">
+        <p14:creationId xmlns:p14="http://schemas.microsoft.com/office/powerpoint/2010/main" val="4048926911"/>
+      </p:ext>
+    </p:extLst>
+  </p:cSld>
+  <p:clrMapOvr>
+    <a:masterClrMapping/>
+  </p:clrMapOvr>
+</p:sld>
+</file>
+
+<file path=ppt/slides/slide28.xml><?xml version="1.0" encoding="utf-8"?>
+<p:sld xmlns:a="http://schemas.openxmlformats.org/drawingml/2006/main" xmlns:r="http://schemas.openxmlformats.org/officeDocument/2006/relationships" xmlns:p="http://schemas.openxmlformats.org/presentationml/2006/main">
+  <p:cSld>
     <p:bg>
       <p:bgPr>
         <a:solidFill>
@@ -16218,7 +16404,7 @@
 </p:sld>
 </file>
 
-<file path=ppt/slides/slide28.xml><?xml version="1.0" encoding="utf-8"?>
+<file path=ppt/slides/slide29.xml><?xml version="1.0" encoding="utf-8"?>
 <p:sld xmlns:a="http://schemas.openxmlformats.org/drawingml/2006/main" xmlns:r="http://schemas.openxmlformats.org/officeDocument/2006/relationships" xmlns:p="http://schemas.openxmlformats.org/presentationml/2006/main">
   <p:cSld>
     <p:bg>
@@ -16722,7 +16908,176 @@
 </p:sld>
 </file>
 
-<file path=ppt/slides/slide29.xml><?xml version="1.0" encoding="utf-8"?>
+<file path=ppt/slides/slide3.xml><?xml version="1.0" encoding="utf-8"?>
+<p:sld xmlns:a="http://schemas.openxmlformats.org/drawingml/2006/main" xmlns:r="http://schemas.openxmlformats.org/officeDocument/2006/relationships" xmlns:p="http://schemas.openxmlformats.org/presentationml/2006/main">
+  <p:cSld>
+    <p:bg>
+      <p:bgPr>
+        <a:solidFill>
+          <a:schemeClr val="bg1"/>
+        </a:solidFill>
+        <a:effectLst/>
+      </p:bgPr>
+    </p:bg>
+    <p:spTree>
+      <p:nvGrpSpPr>
+        <p:cNvPr id="1" name=""/>
+        <p:cNvGrpSpPr/>
+        <p:nvPr/>
+      </p:nvGrpSpPr>
+      <p:grpSpPr>
+        <a:xfrm>
+          <a:off x="0" y="0"/>
+          <a:ext cx="0" cy="0"/>
+          <a:chOff x="0" y="0"/>
+          <a:chExt cx="0" cy="0"/>
+        </a:xfrm>
+      </p:grpSpPr>
+      <p:sp>
+        <p:nvSpPr>
+          <p:cNvPr id="2" name="Title 1">
+            <a:extLst>
+              <a:ext uri="{FF2B5EF4-FFF2-40B4-BE49-F238E27FC236}">
+                <a16:creationId xmlns:a16="http://schemas.microsoft.com/office/drawing/2014/main" id="{C2B6DCDA-7712-10FD-82FE-934DA38CBEF8}"/>
+              </a:ext>
+            </a:extLst>
+          </p:cNvPr>
+          <p:cNvSpPr>
+            <a:spLocks noGrp="1"/>
+          </p:cNvSpPr>
+          <p:nvPr>
+            <p:ph type="title"/>
+          </p:nvPr>
+        </p:nvSpPr>
+        <p:spPr>
+          <a:xfrm>
+            <a:off x="1043631" y="809898"/>
+            <a:ext cx="9942716" cy="1554480"/>
+          </a:xfrm>
+        </p:spPr>
+        <p:txBody>
+          <a:bodyPr anchor="ctr">
+            <a:normAutofit/>
+          </a:bodyPr>
+          <a:lstStyle/>
+          <a:p>
+            <a:r>
+              <a:rPr lang="en-US" sz="4800" b="1">
+                <a:latin typeface="Times New Roman" panose="02020603050405020304" pitchFamily="18" charset="0"/>
+                <a:cs typeface="Times New Roman" panose="02020603050405020304" pitchFamily="18" charset="0"/>
+              </a:rPr>
+              <a:t>Problem statement</a:t>
+            </a:r>
+          </a:p>
+        </p:txBody>
+      </p:sp>
+      <p:sp>
+        <p:nvSpPr>
+          <p:cNvPr id="3" name="Content Placeholder 2">
+            <a:extLst>
+              <a:ext uri="{FF2B5EF4-FFF2-40B4-BE49-F238E27FC236}">
+                <a16:creationId xmlns:a16="http://schemas.microsoft.com/office/drawing/2014/main" id="{CE0A96B3-0424-979D-6B15-409140E3A34A}"/>
+              </a:ext>
+            </a:extLst>
+          </p:cNvPr>
+          <p:cNvSpPr>
+            <a:spLocks noGrp="1"/>
+          </p:cNvSpPr>
+          <p:nvPr>
+            <p:ph idx="1"/>
+          </p:nvPr>
+        </p:nvSpPr>
+        <p:spPr>
+          <a:xfrm>
+            <a:off x="1045028" y="3017522"/>
+            <a:ext cx="9941319" cy="3124658"/>
+          </a:xfrm>
+        </p:spPr>
+        <p:txBody>
+          <a:bodyPr anchor="ctr">
+            <a:normAutofit/>
+          </a:bodyPr>
+          <a:lstStyle/>
+          <a:p>
+            <a:pPr marL="0" marR="0" indent="0">
+              <a:lnSpc>
+                <a:spcPct val="200000"/>
+              </a:lnSpc>
+              <a:spcBef>
+                <a:spcPts val="0"/>
+              </a:spcBef>
+              <a:spcAft>
+                <a:spcPts val="800"/>
+              </a:spcAft>
+              <a:buNone/>
+            </a:pPr>
+            <a:r>
+              <a:rPr lang="en-US" sz="1800" dirty="0">
+                <a:effectLst/>
+                <a:latin typeface="Times New Roman" panose="02020603050405020304" pitchFamily="18" charset="0"/>
+                <a:ea typeface="Calibri" panose="020F0502020204030204" pitchFamily="34" charset="0"/>
+                <a:cs typeface="Vrinda" panose="020B0502040204020203" pitchFamily="34" charset="0"/>
+              </a:rPr>
+              <a:t>From a research project perspective, we would like our problem statement to be as follows:</a:t>
+            </a:r>
+            <a:endParaRPr lang="en-US" sz="1800" dirty="0">
+              <a:effectLst/>
+              <a:latin typeface="Calibri" panose="020F0502020204030204" pitchFamily="34" charset="0"/>
+              <a:ea typeface="Calibri" panose="020F0502020204030204" pitchFamily="34" charset="0"/>
+              <a:cs typeface="Vrinda" panose="020B0502040204020203" pitchFamily="34" charset="0"/>
+            </a:endParaRPr>
+          </a:p>
+          <a:p>
+            <a:pPr marL="228600" lvl="1" indent="0">
+              <a:lnSpc>
+                <a:spcPct val="200000"/>
+              </a:lnSpc>
+              <a:spcBef>
+                <a:spcPts val="0"/>
+              </a:spcBef>
+              <a:spcAft>
+                <a:spcPts val="800"/>
+              </a:spcAft>
+              <a:buNone/>
+            </a:pPr>
+            <a:r>
+              <a:rPr lang="en-US" sz="1400" b="1" dirty="0">
+                <a:effectLst/>
+                <a:latin typeface="Times New Roman" panose="02020603050405020304" pitchFamily="18" charset="0"/>
+                <a:ea typeface="Calibri" panose="020F0502020204030204" pitchFamily="34" charset="0"/>
+                <a:cs typeface="Vrinda" panose="020B0502040204020203" pitchFamily="34" charset="0"/>
+              </a:rPr>
+              <a:t>What type of crime has the most impact on house prices for a specific county?</a:t>
+            </a:r>
+            <a:endParaRPr lang="en-US" sz="1400" dirty="0">
+              <a:effectLst/>
+              <a:latin typeface="Calibri" panose="020F0502020204030204" pitchFamily="34" charset="0"/>
+              <a:ea typeface="Calibri" panose="020F0502020204030204" pitchFamily="34" charset="0"/>
+              <a:cs typeface="Vrinda" panose="020B0502040204020203" pitchFamily="34" charset="0"/>
+            </a:endParaRPr>
+          </a:p>
+          <a:p>
+            <a:endParaRPr lang="en-US" sz="2000" dirty="0">
+              <a:latin typeface="Times New Roman" panose="02020603050405020304" pitchFamily="18" charset="0"/>
+              <a:cs typeface="Times New Roman" panose="02020603050405020304" pitchFamily="18" charset="0"/>
+            </a:endParaRPr>
+          </a:p>
+        </p:txBody>
+      </p:sp>
+    </p:spTree>
+    <p:extLst>
+      <p:ext uri="{BB962C8B-B14F-4D97-AF65-F5344CB8AC3E}">
+        <p14:creationId xmlns:p14="http://schemas.microsoft.com/office/powerpoint/2010/main" val="397519984"/>
+      </p:ext>
+    </p:extLst>
+  </p:cSld>
+  <p:clrMapOvr>
+    <a:masterClrMapping/>
+  </p:clrMapOvr>
+</p:sld>
+</file>
+
+<file path=ppt/slides/slide30.xml><?xml version="1.0" encoding="utf-8"?>
 <p:sld xmlns:a="http://schemas.openxmlformats.org/drawingml/2006/main" xmlns:r="http://schemas.openxmlformats.org/officeDocument/2006/relationships" xmlns:p="http://schemas.openxmlformats.org/presentationml/2006/main">
   <p:cSld>
     <p:bg>
@@ -16795,175 +17150,6 @@
     <p:extLst>
       <p:ext uri="{BB962C8B-B14F-4D97-AF65-F5344CB8AC3E}">
         <p14:creationId xmlns:p14="http://schemas.microsoft.com/office/powerpoint/2010/main" val="3960056529"/>
-      </p:ext>
-    </p:extLst>
-  </p:cSld>
-  <p:clrMapOvr>
-    <a:masterClrMapping/>
-  </p:clrMapOvr>
-</p:sld>
-</file>
-
-<file path=ppt/slides/slide3.xml><?xml version="1.0" encoding="utf-8"?>
-<p:sld xmlns:a="http://schemas.openxmlformats.org/drawingml/2006/main" xmlns:r="http://schemas.openxmlformats.org/officeDocument/2006/relationships" xmlns:p="http://schemas.openxmlformats.org/presentationml/2006/main">
-  <p:cSld>
-    <p:bg>
-      <p:bgPr>
-        <a:solidFill>
-          <a:schemeClr val="bg1"/>
-        </a:solidFill>
-        <a:effectLst/>
-      </p:bgPr>
-    </p:bg>
-    <p:spTree>
-      <p:nvGrpSpPr>
-        <p:cNvPr id="1" name=""/>
-        <p:cNvGrpSpPr/>
-        <p:nvPr/>
-      </p:nvGrpSpPr>
-      <p:grpSpPr>
-        <a:xfrm>
-          <a:off x="0" y="0"/>
-          <a:ext cx="0" cy="0"/>
-          <a:chOff x="0" y="0"/>
-          <a:chExt cx="0" cy="0"/>
-        </a:xfrm>
-      </p:grpSpPr>
-      <p:sp>
-        <p:nvSpPr>
-          <p:cNvPr id="2" name="Title 1">
-            <a:extLst>
-              <a:ext uri="{FF2B5EF4-FFF2-40B4-BE49-F238E27FC236}">
-                <a16:creationId xmlns:a16="http://schemas.microsoft.com/office/drawing/2014/main" id="{C2B6DCDA-7712-10FD-82FE-934DA38CBEF8}"/>
-              </a:ext>
-            </a:extLst>
-          </p:cNvPr>
-          <p:cNvSpPr>
-            <a:spLocks noGrp="1"/>
-          </p:cNvSpPr>
-          <p:nvPr>
-            <p:ph type="title"/>
-          </p:nvPr>
-        </p:nvSpPr>
-        <p:spPr>
-          <a:xfrm>
-            <a:off x="1043631" y="809898"/>
-            <a:ext cx="9942716" cy="1554480"/>
-          </a:xfrm>
-        </p:spPr>
-        <p:txBody>
-          <a:bodyPr anchor="ctr">
-            <a:normAutofit/>
-          </a:bodyPr>
-          <a:lstStyle/>
-          <a:p>
-            <a:r>
-              <a:rPr lang="en-US" sz="4800" b="1">
-                <a:latin typeface="Times New Roman" panose="02020603050405020304" pitchFamily="18" charset="0"/>
-                <a:cs typeface="Times New Roman" panose="02020603050405020304" pitchFamily="18" charset="0"/>
-              </a:rPr>
-              <a:t>Problem statement</a:t>
-            </a:r>
-          </a:p>
-        </p:txBody>
-      </p:sp>
-      <p:sp>
-        <p:nvSpPr>
-          <p:cNvPr id="3" name="Content Placeholder 2">
-            <a:extLst>
-              <a:ext uri="{FF2B5EF4-FFF2-40B4-BE49-F238E27FC236}">
-                <a16:creationId xmlns:a16="http://schemas.microsoft.com/office/drawing/2014/main" id="{CE0A96B3-0424-979D-6B15-409140E3A34A}"/>
-              </a:ext>
-            </a:extLst>
-          </p:cNvPr>
-          <p:cNvSpPr>
-            <a:spLocks noGrp="1"/>
-          </p:cNvSpPr>
-          <p:nvPr>
-            <p:ph idx="1"/>
-          </p:nvPr>
-        </p:nvSpPr>
-        <p:spPr>
-          <a:xfrm>
-            <a:off x="1045028" y="3017522"/>
-            <a:ext cx="9941319" cy="3124658"/>
-          </a:xfrm>
-        </p:spPr>
-        <p:txBody>
-          <a:bodyPr anchor="ctr">
-            <a:normAutofit/>
-          </a:bodyPr>
-          <a:lstStyle/>
-          <a:p>
-            <a:pPr marL="0" marR="0" indent="0">
-              <a:lnSpc>
-                <a:spcPct val="200000"/>
-              </a:lnSpc>
-              <a:spcBef>
-                <a:spcPts val="0"/>
-              </a:spcBef>
-              <a:spcAft>
-                <a:spcPts val="800"/>
-              </a:spcAft>
-              <a:buNone/>
-            </a:pPr>
-            <a:r>
-              <a:rPr lang="en-US" sz="1800" dirty="0">
-                <a:effectLst/>
-                <a:latin typeface="Times New Roman" panose="02020603050405020304" pitchFamily="18" charset="0"/>
-                <a:ea typeface="Calibri" panose="020F0502020204030204" pitchFamily="34" charset="0"/>
-                <a:cs typeface="Vrinda" panose="020B0502040204020203" pitchFamily="34" charset="0"/>
-              </a:rPr>
-              <a:t>From a research project perspective, we would like our problem statement to be as follows:</a:t>
-            </a:r>
-            <a:endParaRPr lang="en-US" sz="1800" dirty="0">
-              <a:effectLst/>
-              <a:latin typeface="Calibri" panose="020F0502020204030204" pitchFamily="34" charset="0"/>
-              <a:ea typeface="Calibri" panose="020F0502020204030204" pitchFamily="34" charset="0"/>
-              <a:cs typeface="Vrinda" panose="020B0502040204020203" pitchFamily="34" charset="0"/>
-            </a:endParaRPr>
-          </a:p>
-          <a:p>
-            <a:pPr marL="228600" lvl="1" indent="0">
-              <a:lnSpc>
-                <a:spcPct val="200000"/>
-              </a:lnSpc>
-              <a:spcBef>
-                <a:spcPts val="0"/>
-              </a:spcBef>
-              <a:spcAft>
-                <a:spcPts val="800"/>
-              </a:spcAft>
-              <a:buNone/>
-            </a:pPr>
-            <a:r>
-              <a:rPr lang="en-US" sz="1400" b="1" dirty="0">
-                <a:effectLst/>
-                <a:latin typeface="Times New Roman" panose="02020603050405020304" pitchFamily="18" charset="0"/>
-                <a:ea typeface="Calibri" panose="020F0502020204030204" pitchFamily="34" charset="0"/>
-                <a:cs typeface="Vrinda" panose="020B0502040204020203" pitchFamily="34" charset="0"/>
-              </a:rPr>
-              <a:t>What type of crime has the most impact on house prices for a specific county?</a:t>
-            </a:r>
-            <a:endParaRPr lang="en-US" sz="1400" dirty="0">
-              <a:effectLst/>
-              <a:latin typeface="Calibri" panose="020F0502020204030204" pitchFamily="34" charset="0"/>
-              <a:ea typeface="Calibri" panose="020F0502020204030204" pitchFamily="34" charset="0"/>
-              <a:cs typeface="Vrinda" panose="020B0502040204020203" pitchFamily="34" charset="0"/>
-            </a:endParaRPr>
-          </a:p>
-          <a:p>
-            <a:endParaRPr lang="en-US" sz="2000" dirty="0">
-              <a:latin typeface="Times New Roman" panose="02020603050405020304" pitchFamily="18" charset="0"/>
-              <a:cs typeface="Times New Roman" panose="02020603050405020304" pitchFamily="18" charset="0"/>
-            </a:endParaRPr>
-          </a:p>
-        </p:txBody>
-      </p:sp>
-    </p:spTree>
-    <p:extLst>
-      <p:ext uri="{BB962C8B-B14F-4D97-AF65-F5344CB8AC3E}">
-        <p14:creationId xmlns:p14="http://schemas.microsoft.com/office/powerpoint/2010/main" val="397519984"/>
       </p:ext>
     </p:extLst>
   </p:cSld>
@@ -19007,7 +19193,7 @@
         <p:spPr>
           <a:xfrm>
             <a:off x="587988" y="2620641"/>
-            <a:ext cx="5837750" cy="3023702"/>
+            <a:ext cx="5508012" cy="3023702"/>
           </a:xfrm>
         </p:spPr>
         <p:txBody>
@@ -19021,7 +19207,7 @@
                 <a:latin typeface="Times New Roman" panose="02020603050405020304" pitchFamily="18" charset="0"/>
                 <a:cs typeface="Times New Roman" panose="02020603050405020304" pitchFamily="18" charset="0"/>
               </a:rPr>
-              <a:t>From the income analysis throughout the county, we can see the median income steadily increases over time.</a:t>
+              <a:t>Median income steadily increased over time.</a:t>
             </a:r>
           </a:p>
         </p:txBody>
